--- a/slides/Day_2.pptx
+++ b/slides/Day_2.pptx
@@ -13,7 +13,6 @@
     <p:sldId id="270" r:id="rId7"/>
     <p:sldId id="271" r:id="rId8"/>
     <p:sldId id="267" r:id="rId9"/>
-    <p:sldId id="266" r:id="rId10"/>
   </p:sldIdLst>
   <p:sldSz cx="9939338" cy="7451725"/>
   <p:notesSz cx="6858000" cy="9144000"/>
@@ -114,7 +113,7 @@
   </p:defaultTextStyle>
   <p:extLst>
     <p:ext uri="{EFAFB233-063F-42B5-8137-9DF3F51BA10A}">
-      <p15:sldGuideLst xmlns:p15="http://schemas.microsoft.com/office/powerpoint/2012/main">
+      <p15:sldGuideLst xmlns:p15="http://schemas.microsoft.com/office/powerpoint/2012/main" xmlns="">
         <p15:guide id="1" orient="horz" pos="2347">
           <p15:clr>
             <a:srgbClr val="A4A3A4"/>
@@ -1275,7 +1274,7 @@
           <a:p>
             <a:r>
               <a:rPr lang="da-DK" dirty="0" smtClean="0"/>
-              <a:t>SSH</a:t>
+              <a:t>Day 2: SSH</a:t>
             </a:r>
             <a:endParaRPr lang="en-US" dirty="0"/>
           </a:p>
@@ -2002,11 +2001,7 @@
             </a:r>
             <a:r>
               <a:rPr lang="en-US" sz="2000" dirty="0" smtClean="0"/>
-              <a:t> </a:t>
-            </a:r>
-            <a:r>
-              <a:rPr lang="en-US" sz="2000" dirty="0" smtClean="0"/>
-              <a:t>computer</a:t>
+              <a:t> computer</a:t>
             </a:r>
           </a:p>
           <a:p>
@@ -2057,7 +2052,6 @@
               <a:rPr lang="en-US" sz="2000" dirty="0" smtClean="0"/>
               <a:t> computer </a:t>
             </a:r>
-            <a:endParaRPr lang="en-US" sz="2000" dirty="0" smtClean="0"/>
           </a:p>
           <a:p>
             <a:pPr lvl="1"/>
@@ -3228,11 +3222,7 @@
             </a:pPr>
             <a:r>
               <a:rPr lang="en-US" dirty="0" smtClean="0"/>
-              <a:t>A </a:t>
-            </a:r>
-            <a:r>
-              <a:rPr lang="en-US" dirty="0" smtClean="0"/>
-              <a:t>message encrypted using private can be decrypted by public key</a:t>
+              <a:t>A message encrypted using private can be decrypted by public key</a:t>
             </a:r>
           </a:p>
           <a:p>
@@ -3266,15 +3256,7 @@
             </a:pPr>
             <a:r>
               <a:rPr lang="en-US" dirty="0" smtClean="0"/>
-              <a:t>Assume two parties A and B each has their private key, and the public key of the </a:t>
-            </a:r>
-            <a:r>
-              <a:rPr lang="en-US" smtClean="0"/>
-              <a:t>other</a:t>
-            </a:r>
-            <a:r>
-              <a:rPr lang="en-US" smtClean="0"/>
-              <a:t>.</a:t>
+              <a:t>Assume two parties A and B each has their private key, and the public key of the other.</a:t>
             </a:r>
             <a:endParaRPr lang="en-US" dirty="0"/>
           </a:p>
@@ -3304,20 +3286,6 @@
             <a:r>
               <a:rPr lang="en-US" dirty="0" smtClean="0"/>
               <a:t>How can B be sure the message is from A?</a:t>
-            </a:r>
-          </a:p>
-          <a:p>
-            <a:pPr marL="514350" indent="-514350" defTabSz="914400">
-              <a:spcBef>
-                <a:spcPts val="0"/>
-              </a:spcBef>
-              <a:buClrTx/>
-              <a:buFont typeface="+mj-lt"/>
-              <a:buAutoNum type="arabicPeriod"/>
-            </a:pPr>
-            <a:r>
-              <a:rPr lang="en-US" dirty="0" smtClean="0"/>
-              <a:t>(hard) – if B does not have A’s public key, how can B be sure a message is from A</a:t>
             </a:r>
           </a:p>
           <a:p>
@@ -3366,243 +3334,6 @@
     <p:extLst>
       <p:ext uri="{BB962C8B-B14F-4D97-AF65-F5344CB8AC3E}">
         <p14:creationId xmlns:p14="http://schemas.microsoft.com/office/powerpoint/2010/main" val="1269912491"/>
-      </p:ext>
-    </p:extLst>
-  </p:cSld>
-  <p:clrMapOvr>
-    <a:masterClrMapping/>
-  </p:clrMapOvr>
-</p:sld>
-</file>
-
-<file path=ppt/slides/slide9.xml><?xml version="1.0" encoding="utf-8"?>
-<p:sld xmlns:a="http://schemas.openxmlformats.org/drawingml/2006/main" xmlns:r="http://schemas.openxmlformats.org/officeDocument/2006/relationships" xmlns:p="http://schemas.openxmlformats.org/presentationml/2006/main">
-  <p:cSld>
-    <p:spTree>
-      <p:nvGrpSpPr>
-        <p:cNvPr id="1" name=""/>
-        <p:cNvGrpSpPr/>
-        <p:nvPr/>
-      </p:nvGrpSpPr>
-      <p:grpSpPr>
-        <a:xfrm>
-          <a:off x="0" y="0"/>
-          <a:ext cx="0" cy="0"/>
-          <a:chOff x="0" y="0"/>
-          <a:chExt cx="0" cy="0"/>
-        </a:xfrm>
-      </p:grpSpPr>
-      <p:sp>
-        <p:nvSpPr>
-          <p:cNvPr id="2" name="Text Placeholder 1"/>
-          <p:cNvSpPr>
-            <a:spLocks noGrp="1"/>
-          </p:cNvSpPr>
-          <p:nvPr>
-            <p:ph type="body" sz="quarter" idx="10"/>
-          </p:nvPr>
-        </p:nvSpPr>
-        <p:spPr/>
-        <p:txBody>
-          <a:bodyPr/>
-          <a:lstStyle/>
-          <a:p>
-            <a:r>
-              <a:rPr lang="en-US" dirty="0" err="1" smtClean="0"/>
-              <a:t>ssh</a:t>
-            </a:r>
-            <a:endParaRPr lang="en-US" dirty="0"/>
-          </a:p>
-        </p:txBody>
-      </p:sp>
-      <p:sp>
-        <p:nvSpPr>
-          <p:cNvPr id="3" name="Text Placeholder 2"/>
-          <p:cNvSpPr>
-            <a:spLocks noGrp="1"/>
-          </p:cNvSpPr>
-          <p:nvPr>
-            <p:ph type="body" sz="quarter" idx="11"/>
-          </p:nvPr>
-        </p:nvSpPr>
-        <p:spPr/>
-        <p:txBody>
-          <a:bodyPr/>
-          <a:lstStyle/>
-          <a:p>
-            <a:pPr marL="0" marR="0" lvl="0" indent="0" defTabSz="914400" eaLnBrk="1" fontAlgn="auto" latinLnBrk="0" hangingPunct="1">
-              <a:lnSpc>
-                <a:spcPct val="100000"/>
-              </a:lnSpc>
-              <a:spcBef>
-                <a:spcPts val="0"/>
-              </a:spcBef>
-              <a:spcAft>
-                <a:spcPts val="0"/>
-              </a:spcAft>
-              <a:buClrTx/>
-              <a:buSzTx/>
-              <a:buFontTx/>
-              <a:buNone/>
-              <a:tabLst/>
-              <a:defRPr/>
-            </a:pPr>
-            <a:r>
-              <a:rPr lang="en-US" sz="2400" dirty="0" err="1" smtClean="0"/>
-              <a:t>Ressources</a:t>
-            </a:r>
-            <a:r>
-              <a:rPr lang="en-US" sz="2400" dirty="0" smtClean="0"/>
-              <a:t>:</a:t>
-            </a:r>
-          </a:p>
-          <a:p>
-            <a:pPr defTabSz="914400">
-              <a:spcBef>
-                <a:spcPts val="0"/>
-              </a:spcBef>
-              <a:buClrTx/>
-            </a:pPr>
-            <a:r>
-              <a:rPr lang="en-US" sz="1800" dirty="0">
-                <a:hlinkClick r:id="rId2"/>
-              </a:rPr>
-              <a:t>https://</a:t>
-            </a:r>
-            <a:r>
-              <a:rPr lang="en-US" sz="1800" dirty="0" smtClean="0">
-                <a:hlinkClick r:id="rId2"/>
-              </a:rPr>
-              <a:t>www.digitalocean.com/community/tutorials/understanding-the-ssh-encryption-and-connection-process</a:t>
-            </a:r>
-            <a:endParaRPr lang="en-US" sz="1800" dirty="0" smtClean="0"/>
-          </a:p>
-          <a:p>
-            <a:pPr defTabSz="914400">
-              <a:spcBef>
-                <a:spcPts val="0"/>
-              </a:spcBef>
-              <a:buClrTx/>
-            </a:pPr>
-            <a:r>
-              <a:rPr lang="en-US" sz="1800" dirty="0">
-                <a:hlinkClick r:id="rId3"/>
-              </a:rPr>
-              <a:t>https://</a:t>
-            </a:r>
-            <a:r>
-              <a:rPr lang="en-US" sz="1800" dirty="0" err="1">
-                <a:hlinkClick r:id="rId3"/>
-              </a:rPr>
-              <a:t>en.wikipedia.org</a:t>
-            </a:r>
-            <a:r>
-              <a:rPr lang="en-US" sz="1800" dirty="0">
-                <a:hlinkClick r:id="rId3"/>
-              </a:rPr>
-              <a:t>/wiki/Public-</a:t>
-            </a:r>
-            <a:r>
-              <a:rPr lang="en-US" sz="1800" dirty="0" err="1">
-                <a:hlinkClick r:id="rId3"/>
-              </a:rPr>
-              <a:t>key_cryptography</a:t>
-            </a:r>
-            <a:endParaRPr lang="en-US" sz="1800" dirty="0" smtClean="0"/>
-          </a:p>
-          <a:p>
-            <a:pPr marL="0" lvl="0" indent="0" defTabSz="914400">
-              <a:spcBef>
-                <a:spcPts val="0"/>
-              </a:spcBef>
-              <a:buClrTx/>
-              <a:buNone/>
-            </a:pPr>
-            <a:endParaRPr lang="en-US" sz="2400" dirty="0" smtClean="0"/>
-          </a:p>
-          <a:p>
-            <a:pPr marL="0" lvl="0" indent="0" defTabSz="914400">
-              <a:spcBef>
-                <a:spcPts val="0"/>
-              </a:spcBef>
-              <a:buClrTx/>
-              <a:buNone/>
-            </a:pPr>
-            <a:r>
-              <a:rPr lang="en-US" sz="2400" dirty="0" smtClean="0"/>
-              <a:t>Exercise for </a:t>
-            </a:r>
-            <a:r>
-              <a:rPr lang="en-US" sz="2400" dirty="0" smtClean="0"/>
-              <a:t>Thursday:</a:t>
-            </a:r>
-            <a:endParaRPr lang="en-US" sz="2400" dirty="0" smtClean="0"/>
-          </a:p>
-          <a:p>
-            <a:pPr marL="0" lvl="0" indent="0" defTabSz="914400">
-              <a:spcBef>
-                <a:spcPts val="0"/>
-              </a:spcBef>
-              <a:buClrTx/>
-              <a:buNone/>
-            </a:pPr>
-            <a:r>
-              <a:rPr lang="en-US" sz="2400" dirty="0" smtClean="0"/>
-              <a:t>Prepare a sequence diagram showing what communication takes place between the local machine and the machine on digital ocean when establishing a </a:t>
-            </a:r>
-            <a:r>
-              <a:rPr lang="en-US" sz="2400" dirty="0" err="1" smtClean="0"/>
-              <a:t>ssh</a:t>
-            </a:r>
-            <a:r>
-              <a:rPr lang="en-US" sz="2400" dirty="0" smtClean="0"/>
-              <a:t> connection.</a:t>
-            </a:r>
-          </a:p>
-          <a:p>
-            <a:pPr marL="0" lvl="0" indent="0" defTabSz="914400">
-              <a:spcBef>
-                <a:spcPts val="0"/>
-              </a:spcBef>
-              <a:buClrTx/>
-              <a:buNone/>
-            </a:pPr>
-            <a:endParaRPr lang="en-US" sz="2400" dirty="0"/>
-          </a:p>
-          <a:p>
-            <a:pPr marL="0" lvl="0" indent="0" defTabSz="914400">
-              <a:spcBef>
-                <a:spcPts val="0"/>
-              </a:spcBef>
-              <a:buClrTx/>
-              <a:buNone/>
-            </a:pPr>
-            <a:r>
-              <a:rPr lang="en-US" sz="2400" dirty="0" smtClean="0"/>
-              <a:t>The diagram can be on </a:t>
-            </a:r>
-            <a:r>
-              <a:rPr lang="en-US" sz="2400" dirty="0"/>
-              <a:t>a slide, on paper – just something outside of your </a:t>
-            </a:r>
-            <a:r>
-              <a:rPr lang="en-US" sz="2400" dirty="0" smtClean="0"/>
-              <a:t>head </a:t>
-            </a:r>
-            <a:r>
-              <a:rPr lang="en-US" sz="2400" dirty="0" smtClean="0">
-                <a:sym typeface="Wingdings"/>
-              </a:rPr>
-              <a:t></a:t>
-            </a:r>
-            <a:endParaRPr lang="en-US" sz="2400" dirty="0"/>
-          </a:p>
-        </p:txBody>
-      </p:sp>
-    </p:spTree>
-    <p:extLst>
-      <p:ext uri="{BB962C8B-B14F-4D97-AF65-F5344CB8AC3E}">
-        <p14:creationId xmlns:p14="http://schemas.microsoft.com/office/powerpoint/2010/main" val="306100042"/>
       </p:ext>
     </p:extLst>
   </p:cSld>
